--- a/TCC.pptx
+++ b/TCC.pptx
@@ -12,9 +12,22 @@
     <p:sldId id="260" r:id="rId6"/>
     <p:sldId id="261" r:id="rId7"/>
     <p:sldId id="262" r:id="rId8"/>
-    <p:sldId id="263" r:id="rId9"/>
-    <p:sldId id="264" r:id="rId10"/>
-    <p:sldId id="265" r:id="rId11"/>
+    <p:sldId id="277" r:id="rId9"/>
+    <p:sldId id="278" r:id="rId10"/>
+    <p:sldId id="263" r:id="rId11"/>
+    <p:sldId id="274" r:id="rId12"/>
+    <p:sldId id="275" r:id="rId13"/>
+    <p:sldId id="276" r:id="rId14"/>
+    <p:sldId id="264" r:id="rId15"/>
+    <p:sldId id="266" r:id="rId16"/>
+    <p:sldId id="267" r:id="rId17"/>
+    <p:sldId id="268" r:id="rId18"/>
+    <p:sldId id="269" r:id="rId19"/>
+    <p:sldId id="270" r:id="rId20"/>
+    <p:sldId id="271" r:id="rId21"/>
+    <p:sldId id="272" r:id="rId22"/>
+    <p:sldId id="273" r:id="rId23"/>
+    <p:sldId id="265" r:id="rId24"/>
   </p:sldIdLst>
   <p:sldSz cx="9144000" cy="6858000" type="screen4x3"/>
   <p:notesSz cx="6858000" cy="9144000"/>
@@ -113,6 +126,22 @@
       </a:defRPr>
     </a:lvl9pPr>
   </p:defaultTextStyle>
+  <p:extLst>
+    <p:ext uri="{EFAFB233-063F-42B5-8137-9DF3F51BA10A}">
+      <p15:sldGuideLst xmlns:p15="http://schemas.microsoft.com/office/powerpoint/2012/main">
+        <p15:guide id="1" orient="horz" pos="2160">
+          <p15:clr>
+            <a:srgbClr val="A4A3A4"/>
+          </p15:clr>
+        </p15:guide>
+        <p15:guide id="2" pos="2880">
+          <p15:clr>
+            <a:srgbClr val="A4A3A4"/>
+          </p15:clr>
+        </p15:guide>
+      </p15:sldGuideLst>
+    </p:ext>
+  </p:extLst>
 </p:presentation>
 </file>
 
@@ -297,7 +326,7 @@
           <a:p>
             <a:fld id="{74AB11A5-7990-4C2B-AA49-5E44B16CFE46}" type="datetimeFigureOut">
               <a:rPr lang="pt-BR" smtClean="0"/>
-              <a:t>18/11/2020</a:t>
+              <a:t>21/11/2020</a:t>
             </a:fld>
             <a:endParaRPr lang="pt-BR"/>
           </a:p>
@@ -467,7 +496,7 @@
           <a:p>
             <a:fld id="{74AB11A5-7990-4C2B-AA49-5E44B16CFE46}" type="datetimeFigureOut">
               <a:rPr lang="pt-BR" smtClean="0"/>
-              <a:t>18/11/2020</a:t>
+              <a:t>21/11/2020</a:t>
             </a:fld>
             <a:endParaRPr lang="pt-BR"/>
           </a:p>
@@ -647,7 +676,7 @@
           <a:p>
             <a:fld id="{74AB11A5-7990-4C2B-AA49-5E44B16CFE46}" type="datetimeFigureOut">
               <a:rPr lang="pt-BR" smtClean="0"/>
-              <a:t>18/11/2020</a:t>
+              <a:t>21/11/2020</a:t>
             </a:fld>
             <a:endParaRPr lang="pt-BR"/>
           </a:p>
@@ -817,7 +846,7 @@
           <a:p>
             <a:fld id="{74AB11A5-7990-4C2B-AA49-5E44B16CFE46}" type="datetimeFigureOut">
               <a:rPr lang="pt-BR" smtClean="0"/>
-              <a:t>18/11/2020</a:t>
+              <a:t>21/11/2020</a:t>
             </a:fld>
             <a:endParaRPr lang="pt-BR"/>
           </a:p>
@@ -1063,7 +1092,7 @@
           <a:p>
             <a:fld id="{74AB11A5-7990-4C2B-AA49-5E44B16CFE46}" type="datetimeFigureOut">
               <a:rPr lang="pt-BR" smtClean="0"/>
-              <a:t>18/11/2020</a:t>
+              <a:t>21/11/2020</a:t>
             </a:fld>
             <a:endParaRPr lang="pt-BR"/>
           </a:p>
@@ -1351,7 +1380,7 @@
           <a:p>
             <a:fld id="{74AB11A5-7990-4C2B-AA49-5E44B16CFE46}" type="datetimeFigureOut">
               <a:rPr lang="pt-BR" smtClean="0"/>
-              <a:t>18/11/2020</a:t>
+              <a:t>21/11/2020</a:t>
             </a:fld>
             <a:endParaRPr lang="pt-BR"/>
           </a:p>
@@ -1773,7 +1802,7 @@
           <a:p>
             <a:fld id="{74AB11A5-7990-4C2B-AA49-5E44B16CFE46}" type="datetimeFigureOut">
               <a:rPr lang="pt-BR" smtClean="0"/>
-              <a:t>18/11/2020</a:t>
+              <a:t>21/11/2020</a:t>
             </a:fld>
             <a:endParaRPr lang="pt-BR"/>
           </a:p>
@@ -1891,7 +1920,7 @@
           <a:p>
             <a:fld id="{74AB11A5-7990-4C2B-AA49-5E44B16CFE46}" type="datetimeFigureOut">
               <a:rPr lang="pt-BR" smtClean="0"/>
-              <a:t>18/11/2020</a:t>
+              <a:t>21/11/2020</a:t>
             </a:fld>
             <a:endParaRPr lang="pt-BR"/>
           </a:p>
@@ -1986,7 +2015,7 @@
           <a:p>
             <a:fld id="{74AB11A5-7990-4C2B-AA49-5E44B16CFE46}" type="datetimeFigureOut">
               <a:rPr lang="pt-BR" smtClean="0"/>
-              <a:t>18/11/2020</a:t>
+              <a:t>21/11/2020</a:t>
             </a:fld>
             <a:endParaRPr lang="pt-BR"/>
           </a:p>
@@ -2263,7 +2292,7 @@
           <a:p>
             <a:fld id="{74AB11A5-7990-4C2B-AA49-5E44B16CFE46}" type="datetimeFigureOut">
               <a:rPr lang="pt-BR" smtClean="0"/>
-              <a:t>18/11/2020</a:t>
+              <a:t>21/11/2020</a:t>
             </a:fld>
             <a:endParaRPr lang="pt-BR"/>
           </a:p>
@@ -2516,7 +2545,7 @@
           <a:p>
             <a:fld id="{74AB11A5-7990-4C2B-AA49-5E44B16CFE46}" type="datetimeFigureOut">
               <a:rPr lang="pt-BR" smtClean="0"/>
-              <a:t>18/11/2020</a:t>
+              <a:t>21/11/2020</a:t>
             </a:fld>
             <a:endParaRPr lang="pt-BR"/>
           </a:p>
@@ -2729,7 +2758,7 @@
           <a:p>
             <a:fld id="{74AB11A5-7990-4C2B-AA49-5E44B16CFE46}" type="datetimeFigureOut">
               <a:rPr lang="pt-BR" smtClean="0"/>
-              <a:t>18/11/2020</a:t>
+              <a:t>21/11/2020</a:t>
             </a:fld>
             <a:endParaRPr lang="pt-BR"/>
           </a:p>
@@ -3160,6 +3189,13 @@
   <p:clrMapOvr>
     <a:masterClrMapping/>
   </p:clrMapOvr>
+  <p:timing>
+    <p:tnLst>
+      <p:par>
+        <p:cTn id="1" dur="indefinite" restart="never" nodeType="tmRoot"/>
+      </p:par>
+    </p:tnLst>
+  </p:timing>
 </p:sld>
 </file>
 
@@ -3197,7 +3233,11 @@
           <a:p>
             <a:r>
               <a:rPr lang="pt-BR" dirty="0" smtClean="0"/>
-              <a:t>Conclusão</a:t>
+              <a:t>Projeto </a:t>
+            </a:r>
+            <a:r>
+              <a:rPr lang="pt-BR" dirty="0" smtClean="0"/>
+              <a:t>Eletrônico</a:t>
             </a:r>
             <a:endParaRPr lang="pt-BR" dirty="0"/>
           </a:p>
@@ -3218,14 +3258,892 @@
           <a:bodyPr/>
           <a:lstStyle/>
           <a:p>
-            <a:endParaRPr lang="pt-BR"/>
+            <a:r>
+              <a:rPr lang="pt-BR" dirty="0" smtClean="0"/>
+              <a:t>A organização do projeto eletrônico toma por base a alimentação elétrica, sendo realizada por uma fonte 12v e uma bateria</a:t>
+            </a:r>
+          </a:p>
+          <a:p>
+            <a:pPr lvl="1"/>
+            <a:r>
+              <a:rPr lang="pt-BR" dirty="0" smtClean="0"/>
+              <a:t>Proporcionando um funcionamento resistente a falhas na rede elétrica</a:t>
+            </a:r>
+          </a:p>
+          <a:p>
+            <a:r>
+              <a:rPr lang="pt-BR" dirty="0" smtClean="0"/>
+              <a:t>Esta alimentação incide no microcontrolador (regulada para 3.3V) e no relé de ativação do motor</a:t>
+            </a:r>
+            <a:endParaRPr lang="pt-BR" dirty="0"/>
           </a:p>
         </p:txBody>
       </p:sp>
     </p:spTree>
     <p:extLst>
       <p:ext uri="{BB962C8B-B14F-4D97-AF65-F5344CB8AC3E}">
-        <p14:creationId xmlns:p14="http://schemas.microsoft.com/office/powerpoint/2010/main" val="3471993557"/>
+        <p14:creationId xmlns:p14="http://schemas.microsoft.com/office/powerpoint/2010/main" val="4277119330"/>
+      </p:ext>
+    </p:extLst>
+  </p:cSld>
+  <p:clrMapOvr>
+    <a:masterClrMapping/>
+  </p:clrMapOvr>
+  <p:timing>
+    <p:tnLst>
+      <p:par>
+        <p:cTn id="1" dur="indefinite" restart="never" nodeType="tmRoot"/>
+      </p:par>
+    </p:tnLst>
+  </p:timing>
+</p:sld>
+</file>
+
+<file path=ppt/slides/slide11.xml><?xml version="1.0" encoding="utf-8"?>
+<p:sld xmlns:a="http://schemas.openxmlformats.org/drawingml/2006/main" xmlns:r="http://schemas.openxmlformats.org/officeDocument/2006/relationships" xmlns:p="http://schemas.openxmlformats.org/presentationml/2006/main">
+  <p:cSld>
+    <p:spTree>
+      <p:nvGrpSpPr>
+        <p:cNvPr id="1" name=""/>
+        <p:cNvGrpSpPr/>
+        <p:nvPr/>
+      </p:nvGrpSpPr>
+      <p:grpSpPr>
+        <a:xfrm>
+          <a:off x="0" y="0"/>
+          <a:ext cx="0" cy="0"/>
+          <a:chOff x="0" y="0"/>
+          <a:chExt cx="0" cy="0"/>
+        </a:xfrm>
+      </p:grpSpPr>
+      <p:sp>
+        <p:nvSpPr>
+          <p:cNvPr id="2" name="Título 1"/>
+          <p:cNvSpPr>
+            <a:spLocks noGrp="1"/>
+          </p:cNvSpPr>
+          <p:nvPr>
+            <p:ph type="title"/>
+          </p:nvPr>
+        </p:nvSpPr>
+        <p:spPr/>
+        <p:txBody>
+          <a:bodyPr/>
+          <a:lstStyle/>
+          <a:p>
+            <a:r>
+              <a:rPr lang="pt-BR" dirty="0" smtClean="0"/>
+              <a:t>Alimentação Elétrica</a:t>
+            </a:r>
+            <a:endParaRPr lang="pt-BR" dirty="0"/>
+          </a:p>
+        </p:txBody>
+      </p:sp>
+      <p:pic>
+        <p:nvPicPr>
+          <p:cNvPr id="4" name="Espaço Reservado para Conteúdo 3" descr="O:\circuit.png"/>
+          <p:cNvPicPr>
+            <a:picLocks noGrp="1"/>
+          </p:cNvPicPr>
+          <p:nvPr>
+            <p:ph idx="1"/>
+          </p:nvPr>
+        </p:nvPicPr>
+        <p:blipFill>
+          <a:blip r:embed="rId2">
+            <a:extLst>
+              <a:ext uri="{28A0092B-C50C-407E-A947-70E740481C1C}">
+                <a14:useLocalDpi xmlns:a14="http://schemas.microsoft.com/office/drawing/2010/main" val="0"/>
+              </a:ext>
+            </a:extLst>
+          </a:blip>
+          <a:srcRect/>
+          <a:stretch>
+            <a:fillRect/>
+          </a:stretch>
+        </p:blipFill>
+        <p:spPr bwMode="auto">
+          <a:xfrm>
+            <a:off x="457200" y="1668621"/>
+            <a:ext cx="8229600" cy="4389120"/>
+          </a:xfrm>
+          <a:prstGeom prst="rect">
+            <a:avLst/>
+          </a:prstGeom>
+          <a:noFill/>
+          <a:ln>
+            <a:noFill/>
+          </a:ln>
+        </p:spPr>
+      </p:pic>
+    </p:spTree>
+    <p:extLst>
+      <p:ext uri="{BB962C8B-B14F-4D97-AF65-F5344CB8AC3E}">
+        <p14:creationId xmlns:p14="http://schemas.microsoft.com/office/powerpoint/2010/main" val="1624169731"/>
+      </p:ext>
+    </p:extLst>
+  </p:cSld>
+  <p:clrMapOvr>
+    <a:masterClrMapping/>
+  </p:clrMapOvr>
+</p:sld>
+</file>
+
+<file path=ppt/slides/slide12.xml><?xml version="1.0" encoding="utf-8"?>
+<p:sld xmlns:a="http://schemas.openxmlformats.org/drawingml/2006/main" xmlns:r="http://schemas.openxmlformats.org/officeDocument/2006/relationships" xmlns:p="http://schemas.openxmlformats.org/presentationml/2006/main">
+  <p:cSld>
+    <p:spTree>
+      <p:nvGrpSpPr>
+        <p:cNvPr id="1" name=""/>
+        <p:cNvGrpSpPr/>
+        <p:nvPr/>
+      </p:nvGrpSpPr>
+      <p:grpSpPr>
+        <a:xfrm>
+          <a:off x="0" y="0"/>
+          <a:ext cx="0" cy="0"/>
+          <a:chOff x="0" y="0"/>
+          <a:chExt cx="0" cy="0"/>
+        </a:xfrm>
+      </p:grpSpPr>
+      <p:sp>
+        <p:nvSpPr>
+          <p:cNvPr id="2" name="Título 1"/>
+          <p:cNvSpPr>
+            <a:spLocks noGrp="1"/>
+          </p:cNvSpPr>
+          <p:nvPr>
+            <p:ph type="title"/>
+          </p:nvPr>
+        </p:nvSpPr>
+        <p:spPr/>
+        <p:txBody>
+          <a:bodyPr/>
+          <a:lstStyle/>
+          <a:p>
+            <a:r>
+              <a:rPr lang="pt-BR" dirty="0" smtClean="0"/>
+              <a:t>Sensores e Atuadores</a:t>
+            </a:r>
+            <a:endParaRPr lang="pt-BR" dirty="0"/>
+          </a:p>
+        </p:txBody>
+      </p:sp>
+      <p:sp>
+        <p:nvSpPr>
+          <p:cNvPr id="3" name="Espaço Reservado para Conteúdo 2"/>
+          <p:cNvSpPr>
+            <a:spLocks noGrp="1"/>
+          </p:cNvSpPr>
+          <p:nvPr>
+            <p:ph idx="1"/>
+          </p:nvPr>
+        </p:nvSpPr>
+        <p:spPr/>
+        <p:txBody>
+          <a:bodyPr/>
+          <a:lstStyle/>
+          <a:p>
+            <a:r>
+              <a:rPr lang="pt-BR" dirty="0" smtClean="0"/>
+              <a:t>Ligados ao ESP32 se encontram os sensores e atuadores que executarão os processos do sistema</a:t>
+            </a:r>
+          </a:p>
+          <a:p>
+            <a:r>
+              <a:rPr lang="pt-BR" dirty="0" smtClean="0"/>
+              <a:t>Estes dispositivos são</a:t>
+            </a:r>
+          </a:p>
+          <a:p>
+            <a:pPr lvl="1"/>
+            <a:r>
+              <a:rPr lang="pt-BR" dirty="0" smtClean="0"/>
+              <a:t>Display 16x2</a:t>
+            </a:r>
+          </a:p>
+          <a:p>
+            <a:pPr lvl="1"/>
+            <a:r>
+              <a:rPr lang="pt-BR" dirty="0" smtClean="0"/>
+              <a:t>2x Sensores de </a:t>
+            </a:r>
+            <a:r>
+              <a:rPr lang="pt-BR" dirty="0"/>
+              <a:t>p</a:t>
+            </a:r>
+            <a:r>
+              <a:rPr lang="pt-BR" dirty="0" smtClean="0"/>
+              <a:t>resença (nível do reservatório)</a:t>
+            </a:r>
+          </a:p>
+          <a:p>
+            <a:pPr lvl="1"/>
+            <a:r>
+              <a:rPr lang="pt-BR" dirty="0" smtClean="0"/>
+              <a:t>Módulo buzzer</a:t>
+            </a:r>
+          </a:p>
+          <a:p>
+            <a:pPr lvl="1"/>
+            <a:r>
+              <a:rPr lang="pt-BR" dirty="0" smtClean="0"/>
+              <a:t>Relé de ativação do motor</a:t>
+            </a:r>
+            <a:endParaRPr lang="pt-BR" dirty="0"/>
+          </a:p>
+        </p:txBody>
+      </p:sp>
+    </p:spTree>
+    <p:extLst>
+      <p:ext uri="{BB962C8B-B14F-4D97-AF65-F5344CB8AC3E}">
+        <p14:creationId xmlns:p14="http://schemas.microsoft.com/office/powerpoint/2010/main" val="1020888195"/>
+      </p:ext>
+    </p:extLst>
+  </p:cSld>
+  <p:clrMapOvr>
+    <a:masterClrMapping/>
+  </p:clrMapOvr>
+</p:sld>
+</file>
+
+<file path=ppt/slides/slide13.xml><?xml version="1.0" encoding="utf-8"?>
+<p:sld xmlns:a="http://schemas.openxmlformats.org/drawingml/2006/main" xmlns:r="http://schemas.openxmlformats.org/officeDocument/2006/relationships" xmlns:p="http://schemas.openxmlformats.org/presentationml/2006/main">
+  <p:cSld>
+    <p:spTree>
+      <p:nvGrpSpPr>
+        <p:cNvPr id="1" name=""/>
+        <p:cNvGrpSpPr/>
+        <p:nvPr/>
+      </p:nvGrpSpPr>
+      <p:grpSpPr>
+        <a:xfrm>
+          <a:off x="0" y="0"/>
+          <a:ext cx="0" cy="0"/>
+          <a:chOff x="0" y="0"/>
+          <a:chExt cx="0" cy="0"/>
+        </a:xfrm>
+      </p:grpSpPr>
+      <p:sp>
+        <p:nvSpPr>
+          <p:cNvPr id="2" name="Título 1"/>
+          <p:cNvSpPr>
+            <a:spLocks noGrp="1"/>
+          </p:cNvSpPr>
+          <p:nvPr>
+            <p:ph type="title"/>
+          </p:nvPr>
+        </p:nvSpPr>
+        <p:spPr/>
+        <p:txBody>
+          <a:bodyPr/>
+          <a:lstStyle/>
+          <a:p>
+            <a:r>
+              <a:rPr lang="pt-BR" dirty="0" smtClean="0"/>
+              <a:t>Sensores e Atuadores</a:t>
+            </a:r>
+            <a:endParaRPr lang="pt-BR" dirty="0"/>
+          </a:p>
+        </p:txBody>
+      </p:sp>
+      <p:pic>
+        <p:nvPicPr>
+          <p:cNvPr id="4" name="Espaço Reservado para Conteúdo 3" descr="O:\Diagram.png"/>
+          <p:cNvPicPr>
+            <a:picLocks noGrp="1"/>
+          </p:cNvPicPr>
+          <p:nvPr>
+            <p:ph idx="1"/>
+          </p:nvPr>
+        </p:nvPicPr>
+        <p:blipFill>
+          <a:blip r:embed="rId2">
+            <a:extLst>
+              <a:ext uri="{28A0092B-C50C-407E-A947-70E740481C1C}">
+                <a14:useLocalDpi xmlns:a14="http://schemas.microsoft.com/office/drawing/2010/main" val="0"/>
+              </a:ext>
+            </a:extLst>
+          </a:blip>
+          <a:srcRect/>
+          <a:stretch>
+            <a:fillRect/>
+          </a:stretch>
+        </p:blipFill>
+        <p:spPr bwMode="auto">
+          <a:xfrm>
+            <a:off x="457200" y="1800776"/>
+            <a:ext cx="8229600" cy="4124811"/>
+          </a:xfrm>
+          <a:prstGeom prst="rect">
+            <a:avLst/>
+          </a:prstGeom>
+          <a:noFill/>
+          <a:ln>
+            <a:noFill/>
+          </a:ln>
+        </p:spPr>
+      </p:pic>
+    </p:spTree>
+    <p:extLst>
+      <p:ext uri="{BB962C8B-B14F-4D97-AF65-F5344CB8AC3E}">
+        <p14:creationId xmlns:p14="http://schemas.microsoft.com/office/powerpoint/2010/main" val="1109850735"/>
+      </p:ext>
+    </p:extLst>
+  </p:cSld>
+  <p:clrMapOvr>
+    <a:masterClrMapping/>
+  </p:clrMapOvr>
+</p:sld>
+</file>
+
+<file path=ppt/slides/slide14.xml><?xml version="1.0" encoding="utf-8"?>
+<p:sld xmlns:a="http://schemas.openxmlformats.org/drawingml/2006/main" xmlns:r="http://schemas.openxmlformats.org/officeDocument/2006/relationships" xmlns:p="http://schemas.openxmlformats.org/presentationml/2006/main">
+  <p:cSld>
+    <p:spTree>
+      <p:nvGrpSpPr>
+        <p:cNvPr id="1" name=""/>
+        <p:cNvGrpSpPr/>
+        <p:nvPr/>
+      </p:nvGrpSpPr>
+      <p:grpSpPr>
+        <a:xfrm>
+          <a:off x="0" y="0"/>
+          <a:ext cx="0" cy="0"/>
+          <a:chOff x="0" y="0"/>
+          <a:chExt cx="0" cy="0"/>
+        </a:xfrm>
+      </p:grpSpPr>
+      <p:sp>
+        <p:nvSpPr>
+          <p:cNvPr id="2" name="Título 1"/>
+          <p:cNvSpPr>
+            <a:spLocks noGrp="1"/>
+          </p:cNvSpPr>
+          <p:nvPr>
+            <p:ph type="title"/>
+          </p:nvPr>
+        </p:nvSpPr>
+        <p:spPr/>
+        <p:txBody>
+          <a:bodyPr/>
+          <a:lstStyle/>
+          <a:p>
+            <a:r>
+              <a:rPr lang="pt-BR" dirty="0" smtClean="0"/>
+              <a:t>Projeto </a:t>
+            </a:r>
+            <a:r>
+              <a:rPr lang="pt-BR" dirty="0" smtClean="0"/>
+              <a:t>de Software</a:t>
+            </a:r>
+            <a:endParaRPr lang="pt-BR" dirty="0"/>
+          </a:p>
+        </p:txBody>
+      </p:sp>
+      <p:sp>
+        <p:nvSpPr>
+          <p:cNvPr id="5" name="Espaço Reservado para Conteúdo 4"/>
+          <p:cNvSpPr>
+            <a:spLocks noGrp="1"/>
+          </p:cNvSpPr>
+          <p:nvPr>
+            <p:ph idx="1"/>
+          </p:nvPr>
+        </p:nvSpPr>
+        <p:spPr/>
+        <p:txBody>
+          <a:bodyPr/>
+          <a:lstStyle/>
+          <a:p>
+            <a:r>
+              <a:rPr lang="pt-BR" dirty="0" smtClean="0"/>
+              <a:t>Desenvolvido na linguagem C/C++ personalizada para a plataforma Arduino e contendo recursos únicos do ESP32</a:t>
+            </a:r>
+          </a:p>
+          <a:p>
+            <a:r>
+              <a:rPr lang="pt-BR" dirty="0" smtClean="0"/>
+              <a:t>Interface desenvolvida em Node-RED, se comunicando com o ESP32 via o protocolo MQTT</a:t>
+            </a:r>
+          </a:p>
+          <a:p>
+            <a:pPr lvl="1"/>
+            <a:endParaRPr lang="pt-BR" dirty="0" smtClean="0"/>
+          </a:p>
+          <a:p>
+            <a:pPr lvl="1"/>
+            <a:endParaRPr lang="pt-BR" dirty="0"/>
+          </a:p>
+        </p:txBody>
+      </p:sp>
+    </p:spTree>
+    <p:extLst>
+      <p:ext uri="{BB962C8B-B14F-4D97-AF65-F5344CB8AC3E}">
+        <p14:creationId xmlns:p14="http://schemas.microsoft.com/office/powerpoint/2010/main" val="2075262813"/>
+      </p:ext>
+    </p:extLst>
+  </p:cSld>
+  <p:clrMapOvr>
+    <a:masterClrMapping/>
+  </p:clrMapOvr>
+  <p:timing>
+    <p:tnLst>
+      <p:par>
+        <p:cTn id="1" dur="indefinite" restart="never" nodeType="tmRoot"/>
+      </p:par>
+    </p:tnLst>
+  </p:timing>
+</p:sld>
+</file>
+
+<file path=ppt/slides/slide15.xml><?xml version="1.0" encoding="utf-8"?>
+<p:sld xmlns:a="http://schemas.openxmlformats.org/drawingml/2006/main" xmlns:r="http://schemas.openxmlformats.org/officeDocument/2006/relationships" xmlns:p="http://schemas.openxmlformats.org/presentationml/2006/main">
+  <p:cSld>
+    <p:spTree>
+      <p:nvGrpSpPr>
+        <p:cNvPr id="1" name=""/>
+        <p:cNvGrpSpPr/>
+        <p:nvPr/>
+      </p:nvGrpSpPr>
+      <p:grpSpPr>
+        <a:xfrm>
+          <a:off x="0" y="0"/>
+          <a:ext cx="0" cy="0"/>
+          <a:chOff x="0" y="0"/>
+          <a:chExt cx="0" cy="0"/>
+        </a:xfrm>
+      </p:grpSpPr>
+      <p:sp>
+        <p:nvSpPr>
+          <p:cNvPr id="2" name="Título 1"/>
+          <p:cNvSpPr>
+            <a:spLocks noGrp="1"/>
+          </p:cNvSpPr>
+          <p:nvPr>
+            <p:ph type="title"/>
+          </p:nvPr>
+        </p:nvSpPr>
+        <p:spPr/>
+        <p:txBody>
+          <a:bodyPr/>
+          <a:lstStyle/>
+          <a:p>
+            <a:r>
+              <a:rPr lang="pt-BR" dirty="0" smtClean="0"/>
+              <a:t>Bibliotecas</a:t>
+            </a:r>
+            <a:endParaRPr lang="pt-BR" dirty="0"/>
+          </a:p>
+        </p:txBody>
+      </p:sp>
+      <p:sp>
+        <p:nvSpPr>
+          <p:cNvPr id="3" name="Espaço Reservado para Conteúdo 2"/>
+          <p:cNvSpPr>
+            <a:spLocks noGrp="1"/>
+          </p:cNvSpPr>
+          <p:nvPr>
+            <p:ph idx="1"/>
+          </p:nvPr>
+        </p:nvSpPr>
+        <p:spPr/>
+        <p:txBody>
+          <a:bodyPr/>
+          <a:lstStyle/>
+          <a:p>
+            <a:r>
+              <a:rPr lang="pt-BR" dirty="0"/>
+              <a:t>Contando com bibliotecas que auxiliaram na manipulação de:</a:t>
+            </a:r>
+          </a:p>
+          <a:p>
+            <a:pPr lvl="1"/>
+            <a:r>
+              <a:rPr lang="pt-BR" dirty="0"/>
+              <a:t>Protocolos de comunicação</a:t>
+            </a:r>
+          </a:p>
+          <a:p>
+            <a:pPr lvl="1"/>
+            <a:r>
+              <a:rPr lang="pt-BR" dirty="0"/>
+              <a:t>Gravação de dados na memória Flash</a:t>
+            </a:r>
+          </a:p>
+          <a:p>
+            <a:pPr lvl="1"/>
+            <a:r>
+              <a:rPr lang="pt-BR" dirty="0"/>
+              <a:t>Envio de avisos sonoros</a:t>
+            </a:r>
+          </a:p>
+          <a:p>
+            <a:endParaRPr lang="pt-BR" dirty="0"/>
+          </a:p>
+        </p:txBody>
+      </p:sp>
+    </p:spTree>
+    <p:extLst>
+      <p:ext uri="{BB962C8B-B14F-4D97-AF65-F5344CB8AC3E}">
+        <p14:creationId xmlns:p14="http://schemas.microsoft.com/office/powerpoint/2010/main" val="4240036349"/>
+      </p:ext>
+    </p:extLst>
+  </p:cSld>
+  <p:clrMapOvr>
+    <a:masterClrMapping/>
+  </p:clrMapOvr>
+</p:sld>
+</file>
+
+<file path=ppt/slides/slide16.xml><?xml version="1.0" encoding="utf-8"?>
+<p:sld xmlns:a="http://schemas.openxmlformats.org/drawingml/2006/main" xmlns:r="http://schemas.openxmlformats.org/officeDocument/2006/relationships" xmlns:p="http://schemas.openxmlformats.org/presentationml/2006/main">
+  <p:cSld>
+    <p:spTree>
+      <p:nvGrpSpPr>
+        <p:cNvPr id="1" name=""/>
+        <p:cNvGrpSpPr/>
+        <p:nvPr/>
+      </p:nvGrpSpPr>
+      <p:grpSpPr>
+        <a:xfrm>
+          <a:off x="0" y="0"/>
+          <a:ext cx="0" cy="0"/>
+          <a:chOff x="0" y="0"/>
+          <a:chExt cx="0" cy="0"/>
+        </a:xfrm>
+      </p:grpSpPr>
+      <p:sp>
+        <p:nvSpPr>
+          <p:cNvPr id="2" name="Título 1"/>
+          <p:cNvSpPr>
+            <a:spLocks noGrp="1"/>
+          </p:cNvSpPr>
+          <p:nvPr>
+            <p:ph type="title"/>
+          </p:nvPr>
+        </p:nvSpPr>
+        <p:spPr/>
+        <p:txBody>
+          <a:bodyPr/>
+          <a:lstStyle/>
+          <a:p>
+            <a:r>
+              <a:rPr lang="pt-BR" dirty="0" smtClean="0"/>
+              <a:t>Processo de Alimentação</a:t>
+            </a:r>
+            <a:endParaRPr lang="pt-BR" dirty="0"/>
+          </a:p>
+        </p:txBody>
+      </p:sp>
+      <p:sp>
+        <p:nvSpPr>
+          <p:cNvPr id="3" name="Espaço Reservado para Conteúdo 2"/>
+          <p:cNvSpPr>
+            <a:spLocks noGrp="1"/>
+          </p:cNvSpPr>
+          <p:nvPr>
+            <p:ph idx="1"/>
+          </p:nvPr>
+        </p:nvSpPr>
+        <p:spPr/>
+        <p:txBody>
+          <a:bodyPr/>
+          <a:lstStyle/>
+          <a:p>
+            <a:r>
+              <a:rPr lang="pt-BR" dirty="0" smtClean="0"/>
+              <a:t>A alimentação é o principal processo do sistema</a:t>
+            </a:r>
+          </a:p>
+          <a:p>
+            <a:r>
+              <a:rPr lang="pt-BR" dirty="0" smtClean="0"/>
+              <a:t>Consome dados vindos dos sensores, das configurações e do horário do sistema </a:t>
+            </a:r>
+          </a:p>
+          <a:p>
+            <a:r>
+              <a:rPr lang="pt-BR" dirty="0" smtClean="0"/>
+              <a:t>Com base nestes dados, ele define a ativação do motor de alimentação e as informações que serão exibidas nas interfaces do usuário</a:t>
+            </a:r>
+            <a:endParaRPr lang="pt-BR" dirty="0"/>
+          </a:p>
+        </p:txBody>
+      </p:sp>
+    </p:spTree>
+    <p:extLst>
+      <p:ext uri="{BB962C8B-B14F-4D97-AF65-F5344CB8AC3E}">
+        <p14:creationId xmlns:p14="http://schemas.microsoft.com/office/powerpoint/2010/main" val="1342007512"/>
+      </p:ext>
+    </p:extLst>
+  </p:cSld>
+  <p:clrMapOvr>
+    <a:masterClrMapping/>
+  </p:clrMapOvr>
+  <p:timing>
+    <p:tnLst>
+      <p:par>
+        <p:cTn id="1" dur="indefinite" restart="never" nodeType="tmRoot"/>
+      </p:par>
+    </p:tnLst>
+  </p:timing>
+</p:sld>
+</file>
+
+<file path=ppt/slides/slide17.xml><?xml version="1.0" encoding="utf-8"?>
+<p:sld xmlns:a="http://schemas.openxmlformats.org/drawingml/2006/main" xmlns:r="http://schemas.openxmlformats.org/officeDocument/2006/relationships" xmlns:p="http://schemas.openxmlformats.org/presentationml/2006/main">
+  <p:cSld>
+    <p:spTree>
+      <p:nvGrpSpPr>
+        <p:cNvPr id="1" name=""/>
+        <p:cNvGrpSpPr/>
+        <p:nvPr/>
+      </p:nvGrpSpPr>
+      <p:grpSpPr>
+        <a:xfrm>
+          <a:off x="0" y="0"/>
+          <a:ext cx="0" cy="0"/>
+          <a:chOff x="0" y="0"/>
+          <a:chExt cx="0" cy="0"/>
+        </a:xfrm>
+      </p:grpSpPr>
+      <p:sp>
+        <p:nvSpPr>
+          <p:cNvPr id="2" name="Título 1"/>
+          <p:cNvSpPr>
+            <a:spLocks noGrp="1"/>
+          </p:cNvSpPr>
+          <p:nvPr>
+            <p:ph type="title"/>
+          </p:nvPr>
+        </p:nvSpPr>
+        <p:spPr/>
+        <p:txBody>
+          <a:bodyPr/>
+          <a:lstStyle/>
+          <a:p>
+            <a:r>
+              <a:rPr lang="pt-BR" dirty="0"/>
+              <a:t>Processo de </a:t>
+            </a:r>
+            <a:r>
+              <a:rPr lang="pt-BR" dirty="0" smtClean="0"/>
+              <a:t>Alimentação</a:t>
+            </a:r>
+            <a:endParaRPr lang="pt-BR" dirty="0"/>
+          </a:p>
+        </p:txBody>
+      </p:sp>
+      <p:pic>
+        <p:nvPicPr>
+          <p:cNvPr id="10" name="Espaço Reservado para Conteúdo 9"/>
+          <p:cNvPicPr>
+            <a:picLocks noGrp="1" noChangeAspect="1"/>
+          </p:cNvPicPr>
+          <p:nvPr>
+            <p:ph idx="1"/>
+          </p:nvPr>
+        </p:nvPicPr>
+        <p:blipFill>
+          <a:blip r:embed="rId2">
+            <a:extLst>
+              <a:ext uri="{28A0092B-C50C-407E-A947-70E740481C1C}">
+                <a14:useLocalDpi xmlns:a14="http://schemas.microsoft.com/office/drawing/2010/main" val="0"/>
+              </a:ext>
+            </a:extLst>
+          </a:blip>
+          <a:stretch>
+            <a:fillRect/>
+          </a:stretch>
+        </p:blipFill>
+        <p:spPr>
+          <a:xfrm>
+            <a:off x="457200" y="1695861"/>
+            <a:ext cx="8229600" cy="4334640"/>
+          </a:xfrm>
+        </p:spPr>
+      </p:pic>
+    </p:spTree>
+    <p:extLst>
+      <p:ext uri="{BB962C8B-B14F-4D97-AF65-F5344CB8AC3E}">
+        <p14:creationId xmlns:p14="http://schemas.microsoft.com/office/powerpoint/2010/main" val="249790391"/>
+      </p:ext>
+    </p:extLst>
+  </p:cSld>
+  <p:clrMapOvr>
+    <a:masterClrMapping/>
+  </p:clrMapOvr>
+  <p:timing>
+    <p:tnLst>
+      <p:par>
+        <p:cTn id="1" dur="indefinite" restart="never" nodeType="tmRoot"/>
+      </p:par>
+    </p:tnLst>
+  </p:timing>
+</p:sld>
+</file>
+
+<file path=ppt/slides/slide18.xml><?xml version="1.0" encoding="utf-8"?>
+<p:sld xmlns:a="http://schemas.openxmlformats.org/drawingml/2006/main" xmlns:r="http://schemas.openxmlformats.org/officeDocument/2006/relationships" xmlns:p="http://schemas.openxmlformats.org/presentationml/2006/main">
+  <p:cSld>
+    <p:spTree>
+      <p:nvGrpSpPr>
+        <p:cNvPr id="1" name=""/>
+        <p:cNvGrpSpPr/>
+        <p:nvPr/>
+      </p:nvGrpSpPr>
+      <p:grpSpPr>
+        <a:xfrm>
+          <a:off x="0" y="0"/>
+          <a:ext cx="0" cy="0"/>
+          <a:chOff x="0" y="0"/>
+          <a:chExt cx="0" cy="0"/>
+        </a:xfrm>
+      </p:grpSpPr>
+      <p:sp>
+        <p:nvSpPr>
+          <p:cNvPr id="2" name="Título 1"/>
+          <p:cNvSpPr>
+            <a:spLocks noGrp="1"/>
+          </p:cNvSpPr>
+          <p:nvPr>
+            <p:ph type="title"/>
+          </p:nvPr>
+        </p:nvSpPr>
+        <p:spPr/>
+        <p:txBody>
+          <a:bodyPr/>
+          <a:lstStyle/>
+          <a:p>
+            <a:r>
+              <a:rPr lang="pt-BR" dirty="0" smtClean="0"/>
+              <a:t>Módulo de Tempo</a:t>
+            </a:r>
+            <a:endParaRPr lang="pt-BR" dirty="0"/>
+          </a:p>
+        </p:txBody>
+      </p:sp>
+      <p:sp>
+        <p:nvSpPr>
+          <p:cNvPr id="3" name="Espaço Reservado para Conteúdo 2"/>
+          <p:cNvSpPr>
+            <a:spLocks noGrp="1"/>
+          </p:cNvSpPr>
+          <p:nvPr>
+            <p:ph idx="1"/>
+          </p:nvPr>
+        </p:nvSpPr>
+        <p:spPr>
+          <a:xfrm>
+            <a:off x="457200" y="1556792"/>
+            <a:ext cx="8229600" cy="4525963"/>
+          </a:xfrm>
+        </p:spPr>
+        <p:txBody>
+          <a:bodyPr/>
+          <a:lstStyle/>
+          <a:p>
+            <a:r>
+              <a:rPr lang="pt-BR" dirty="0" smtClean="0"/>
+              <a:t>Sem um módulo RTC no projeto, foi projetado no sistema um módulo de código para registrar o horário atual</a:t>
+            </a:r>
+          </a:p>
+          <a:p>
+            <a:r>
+              <a:rPr lang="pt-BR" dirty="0" smtClean="0"/>
+              <a:t>Este módulo utiliza um núcleo de processamento secundário do ESP32 para realizar o a contagem do tempo e, a cada hora passada, atualiza o horário atual na internet</a:t>
+            </a:r>
+            <a:endParaRPr lang="pt-BR" dirty="0"/>
+          </a:p>
+        </p:txBody>
+      </p:sp>
+    </p:spTree>
+    <p:extLst>
+      <p:ext uri="{BB962C8B-B14F-4D97-AF65-F5344CB8AC3E}">
+        <p14:creationId xmlns:p14="http://schemas.microsoft.com/office/powerpoint/2010/main" val="3403180066"/>
+      </p:ext>
+    </p:extLst>
+  </p:cSld>
+  <p:clrMapOvr>
+    <a:masterClrMapping/>
+  </p:clrMapOvr>
+</p:sld>
+</file>
+
+<file path=ppt/slides/slide19.xml><?xml version="1.0" encoding="utf-8"?>
+<p:sld xmlns:a="http://schemas.openxmlformats.org/drawingml/2006/main" xmlns:r="http://schemas.openxmlformats.org/officeDocument/2006/relationships" xmlns:p="http://schemas.openxmlformats.org/presentationml/2006/main">
+  <p:cSld>
+    <p:spTree>
+      <p:nvGrpSpPr>
+        <p:cNvPr id="1" name=""/>
+        <p:cNvGrpSpPr/>
+        <p:nvPr/>
+      </p:nvGrpSpPr>
+      <p:grpSpPr>
+        <a:xfrm>
+          <a:off x="0" y="0"/>
+          <a:ext cx="0" cy="0"/>
+          <a:chOff x="0" y="0"/>
+          <a:chExt cx="0" cy="0"/>
+        </a:xfrm>
+      </p:grpSpPr>
+      <p:sp>
+        <p:nvSpPr>
+          <p:cNvPr id="2" name="Título 1"/>
+          <p:cNvSpPr>
+            <a:spLocks noGrp="1"/>
+          </p:cNvSpPr>
+          <p:nvPr>
+            <p:ph type="title"/>
+          </p:nvPr>
+        </p:nvSpPr>
+        <p:spPr/>
+        <p:txBody>
+          <a:bodyPr/>
+          <a:lstStyle/>
+          <a:p>
+            <a:r>
+              <a:rPr lang="pt-BR" dirty="0" smtClean="0"/>
+              <a:t>Módulo de Tempo</a:t>
+            </a:r>
+            <a:endParaRPr lang="pt-BR" dirty="0"/>
+          </a:p>
+        </p:txBody>
+      </p:sp>
+      <p:pic>
+        <p:nvPicPr>
+          <p:cNvPr id="4" name="Espaço Reservado para Conteúdo 3"/>
+          <p:cNvPicPr>
+            <a:picLocks noGrp="1" noChangeAspect="1"/>
+          </p:cNvPicPr>
+          <p:nvPr>
+            <p:ph idx="1"/>
+          </p:nvPr>
+        </p:nvPicPr>
+        <p:blipFill>
+          <a:blip r:embed="rId2">
+            <a:extLst>
+              <a:ext uri="{28A0092B-C50C-407E-A947-70E740481C1C}">
+                <a14:useLocalDpi xmlns:a14="http://schemas.microsoft.com/office/drawing/2010/main" val="0"/>
+              </a:ext>
+            </a:extLst>
+          </a:blip>
+          <a:stretch>
+            <a:fillRect/>
+          </a:stretch>
+        </p:blipFill>
+        <p:spPr>
+          <a:xfrm>
+            <a:off x="2301321" y="1600200"/>
+            <a:ext cx="4541357" cy="4525963"/>
+          </a:xfrm>
+        </p:spPr>
+      </p:pic>
+    </p:spTree>
+    <p:extLst>
+      <p:ext uri="{BB962C8B-B14F-4D97-AF65-F5344CB8AC3E}">
+        <p14:creationId xmlns:p14="http://schemas.microsoft.com/office/powerpoint/2010/main" val="1349677134"/>
       </p:ext>
     </p:extLst>
   </p:cSld>
@@ -3355,6 +4273,427 @@
   <p:clrMapOvr>
     <a:masterClrMapping/>
   </p:clrMapOvr>
+  <p:timing>
+    <p:tnLst>
+      <p:par>
+        <p:cTn id="1" dur="indefinite" restart="never" nodeType="tmRoot"/>
+      </p:par>
+    </p:tnLst>
+  </p:timing>
+</p:sld>
+</file>
+
+<file path=ppt/slides/slide20.xml><?xml version="1.0" encoding="utf-8"?>
+<p:sld xmlns:a="http://schemas.openxmlformats.org/drawingml/2006/main" xmlns:r="http://schemas.openxmlformats.org/officeDocument/2006/relationships" xmlns:p="http://schemas.openxmlformats.org/presentationml/2006/main">
+  <p:cSld>
+    <p:spTree>
+      <p:nvGrpSpPr>
+        <p:cNvPr id="1" name=""/>
+        <p:cNvGrpSpPr/>
+        <p:nvPr/>
+      </p:nvGrpSpPr>
+      <p:grpSpPr>
+        <a:xfrm>
+          <a:off x="0" y="0"/>
+          <a:ext cx="0" cy="0"/>
+          <a:chOff x="0" y="0"/>
+          <a:chExt cx="0" cy="0"/>
+        </a:xfrm>
+      </p:grpSpPr>
+      <p:sp>
+        <p:nvSpPr>
+          <p:cNvPr id="2" name="Título 1"/>
+          <p:cNvSpPr>
+            <a:spLocks noGrp="1"/>
+          </p:cNvSpPr>
+          <p:nvPr>
+            <p:ph type="title"/>
+          </p:nvPr>
+        </p:nvSpPr>
+        <p:spPr/>
+        <p:txBody>
+          <a:bodyPr/>
+          <a:lstStyle/>
+          <a:p>
+            <a:r>
+              <a:rPr lang="pt-BR" dirty="0" smtClean="0"/>
+              <a:t>Interface</a:t>
+            </a:r>
+            <a:endParaRPr lang="pt-BR" dirty="0"/>
+          </a:p>
+        </p:txBody>
+      </p:sp>
+      <p:sp>
+        <p:nvSpPr>
+          <p:cNvPr id="3" name="Espaço Reservado para Conteúdo 2"/>
+          <p:cNvSpPr>
+            <a:spLocks noGrp="1"/>
+          </p:cNvSpPr>
+          <p:nvPr>
+            <p:ph idx="1"/>
+          </p:nvPr>
+        </p:nvSpPr>
+        <p:spPr/>
+        <p:txBody>
+          <a:bodyPr/>
+          <a:lstStyle/>
+          <a:p>
+            <a:r>
+              <a:rPr lang="pt-BR" dirty="0" smtClean="0"/>
+              <a:t>Programa de interface web projetada através do Node-RED para se comunicar com o programa do ESP32</a:t>
+            </a:r>
+          </a:p>
+          <a:p>
+            <a:r>
+              <a:rPr lang="pt-BR" dirty="0" smtClean="0"/>
+              <a:t>Este programa transmite imediatamente</a:t>
+            </a:r>
+            <a:r>
+              <a:rPr lang="pt-BR" dirty="0"/>
+              <a:t> quaisquer</a:t>
+            </a:r>
+            <a:r>
+              <a:rPr lang="pt-BR" dirty="0" smtClean="0"/>
+              <a:t> mudanças em suas configurações ao microcontrolador através da conexão Wi-Fi</a:t>
+            </a:r>
+            <a:endParaRPr lang="pt-BR" dirty="0"/>
+          </a:p>
+        </p:txBody>
+      </p:sp>
+    </p:spTree>
+    <p:extLst>
+      <p:ext uri="{BB962C8B-B14F-4D97-AF65-F5344CB8AC3E}">
+        <p14:creationId xmlns:p14="http://schemas.microsoft.com/office/powerpoint/2010/main" val="3120884174"/>
+      </p:ext>
+    </p:extLst>
+  </p:cSld>
+  <p:clrMapOvr>
+    <a:masterClrMapping/>
+  </p:clrMapOvr>
+</p:sld>
+</file>
+
+<file path=ppt/slides/slide21.xml><?xml version="1.0" encoding="utf-8"?>
+<p:sld xmlns:a="http://schemas.openxmlformats.org/drawingml/2006/main" xmlns:r="http://schemas.openxmlformats.org/officeDocument/2006/relationships" xmlns:p="http://schemas.openxmlformats.org/presentationml/2006/main">
+  <p:cSld>
+    <p:spTree>
+      <p:nvGrpSpPr>
+        <p:cNvPr id="1" name=""/>
+        <p:cNvGrpSpPr/>
+        <p:nvPr/>
+      </p:nvGrpSpPr>
+      <p:grpSpPr>
+        <a:xfrm>
+          <a:off x="0" y="0"/>
+          <a:ext cx="0" cy="0"/>
+          <a:chOff x="0" y="0"/>
+          <a:chExt cx="0" cy="0"/>
+        </a:xfrm>
+      </p:grpSpPr>
+      <p:sp>
+        <p:nvSpPr>
+          <p:cNvPr id="2" name="Título 1"/>
+          <p:cNvSpPr>
+            <a:spLocks noGrp="1"/>
+          </p:cNvSpPr>
+          <p:nvPr>
+            <p:ph type="title"/>
+          </p:nvPr>
+        </p:nvSpPr>
+        <p:spPr/>
+        <p:txBody>
+          <a:bodyPr/>
+          <a:lstStyle/>
+          <a:p>
+            <a:r>
+              <a:rPr lang="pt-BR" smtClean="0"/>
+              <a:t>Interface de Reservatório</a:t>
+            </a:r>
+            <a:endParaRPr lang="pt-BR" dirty="0"/>
+          </a:p>
+        </p:txBody>
+      </p:sp>
+      <p:sp>
+        <p:nvSpPr>
+          <p:cNvPr id="3" name="Espaço Reservado para Conteúdo 2"/>
+          <p:cNvSpPr>
+            <a:spLocks noGrp="1"/>
+          </p:cNvSpPr>
+          <p:nvPr>
+            <p:ph idx="1"/>
+          </p:nvPr>
+        </p:nvSpPr>
+        <p:spPr>
+          <a:xfrm>
+            <a:off x="3120712" y="1600200"/>
+            <a:ext cx="5566088" cy="4525963"/>
+          </a:xfrm>
+        </p:spPr>
+        <p:txBody>
+          <a:bodyPr>
+            <a:normAutofit lnSpcReduction="10000"/>
+          </a:bodyPr>
+          <a:lstStyle/>
+          <a:p>
+            <a:r>
+              <a:rPr lang="pt-BR" smtClean="0"/>
+              <a:t>Exibe o nível do reservatório em tempo real através de uma representação gráfica</a:t>
+            </a:r>
+          </a:p>
+          <a:p>
+            <a:r>
+              <a:rPr lang="pt-BR" smtClean="0"/>
+              <a:t>Contém a opção de ativação de alertas sonoros em casos de falta de ração ou outros recursos necessários</a:t>
+            </a:r>
+          </a:p>
+          <a:p>
+            <a:pPr lvl="1"/>
+            <a:r>
+              <a:rPr lang="pt-BR" smtClean="0"/>
+              <a:t>Assim como a seleção do tipo de alarme sonoro</a:t>
+            </a:r>
+          </a:p>
+          <a:p>
+            <a:endParaRPr lang="pt-BR" dirty="0"/>
+          </a:p>
+        </p:txBody>
+      </p:sp>
+      <p:pic>
+        <p:nvPicPr>
+          <p:cNvPr id="5" name="Imagem 4"/>
+          <p:cNvPicPr/>
+          <p:nvPr/>
+        </p:nvPicPr>
+        <p:blipFill>
+          <a:blip r:embed="rId2"/>
+          <a:stretch>
+            <a:fillRect/>
+          </a:stretch>
+        </p:blipFill>
+        <p:spPr>
+          <a:xfrm>
+            <a:off x="457200" y="1600200"/>
+            <a:ext cx="2663512" cy="4525963"/>
+          </a:xfrm>
+          <a:prstGeom prst="rect">
+            <a:avLst/>
+          </a:prstGeom>
+        </p:spPr>
+      </p:pic>
+    </p:spTree>
+    <p:extLst>
+      <p:ext uri="{BB962C8B-B14F-4D97-AF65-F5344CB8AC3E}">
+        <p14:creationId xmlns:p14="http://schemas.microsoft.com/office/powerpoint/2010/main" val="4018940492"/>
+      </p:ext>
+    </p:extLst>
+  </p:cSld>
+  <p:clrMapOvr>
+    <a:masterClrMapping/>
+  </p:clrMapOvr>
+  <p:timing>
+    <p:tnLst>
+      <p:par>
+        <p:cTn id="1" dur="indefinite" restart="never" nodeType="tmRoot"/>
+      </p:par>
+    </p:tnLst>
+  </p:timing>
+</p:sld>
+</file>
+
+<file path=ppt/slides/slide22.xml><?xml version="1.0" encoding="utf-8"?>
+<p:sld xmlns:a="http://schemas.openxmlformats.org/drawingml/2006/main" xmlns:r="http://schemas.openxmlformats.org/officeDocument/2006/relationships" xmlns:p="http://schemas.openxmlformats.org/presentationml/2006/main">
+  <p:cSld>
+    <p:spTree>
+      <p:nvGrpSpPr>
+        <p:cNvPr id="1" name=""/>
+        <p:cNvGrpSpPr/>
+        <p:nvPr/>
+      </p:nvGrpSpPr>
+      <p:grpSpPr>
+        <a:xfrm>
+          <a:off x="0" y="0"/>
+          <a:ext cx="0" cy="0"/>
+          <a:chOff x="0" y="0"/>
+          <a:chExt cx="0" cy="0"/>
+        </a:xfrm>
+      </p:grpSpPr>
+      <p:sp>
+        <p:nvSpPr>
+          <p:cNvPr id="2" name="Título 1"/>
+          <p:cNvSpPr>
+            <a:spLocks noGrp="1"/>
+          </p:cNvSpPr>
+          <p:nvPr>
+            <p:ph type="title"/>
+          </p:nvPr>
+        </p:nvSpPr>
+        <p:spPr/>
+        <p:txBody>
+          <a:bodyPr/>
+          <a:lstStyle/>
+          <a:p>
+            <a:r>
+              <a:rPr lang="pt-BR" dirty="0" smtClean="0"/>
+              <a:t>Interface do Abastecimento</a:t>
+            </a:r>
+            <a:endParaRPr lang="pt-BR" dirty="0"/>
+          </a:p>
+        </p:txBody>
+      </p:sp>
+      <p:sp>
+        <p:nvSpPr>
+          <p:cNvPr id="3" name="Espaço Reservado para Conteúdo 2"/>
+          <p:cNvSpPr>
+            <a:spLocks noGrp="1"/>
+          </p:cNvSpPr>
+          <p:nvPr>
+            <p:ph idx="1"/>
+          </p:nvPr>
+        </p:nvSpPr>
+        <p:spPr>
+          <a:xfrm>
+            <a:off x="457200" y="1600200"/>
+            <a:ext cx="5482952" cy="4525963"/>
+          </a:xfrm>
+        </p:spPr>
+        <p:txBody>
+          <a:bodyPr/>
+          <a:lstStyle/>
+          <a:p>
+            <a:r>
+              <a:rPr lang="pt-BR" dirty="0" smtClean="0"/>
+              <a:t>Exibe a lista de horários agendados e permite a inclusão e exclusão destes</a:t>
+            </a:r>
+          </a:p>
+          <a:p>
+            <a:r>
+              <a:rPr lang="pt-BR" dirty="0" smtClean="0"/>
+              <a:t>A configuração de ativação define o tempo de acionamento do motor a cada alimentação</a:t>
+            </a:r>
+            <a:endParaRPr lang="pt-BR" dirty="0"/>
+          </a:p>
+        </p:txBody>
+      </p:sp>
+      <p:pic>
+        <p:nvPicPr>
+          <p:cNvPr id="4" name="Imagem 3"/>
+          <p:cNvPicPr/>
+          <p:nvPr/>
+        </p:nvPicPr>
+        <p:blipFill>
+          <a:blip r:embed="rId2"/>
+          <a:stretch>
+            <a:fillRect/>
+          </a:stretch>
+        </p:blipFill>
+        <p:spPr>
+          <a:xfrm>
+            <a:off x="5940152" y="1600200"/>
+            <a:ext cx="2746648" cy="4527075"/>
+          </a:xfrm>
+          <a:prstGeom prst="rect">
+            <a:avLst/>
+          </a:prstGeom>
+        </p:spPr>
+      </p:pic>
+    </p:spTree>
+    <p:extLst>
+      <p:ext uri="{BB962C8B-B14F-4D97-AF65-F5344CB8AC3E}">
+        <p14:creationId xmlns:p14="http://schemas.microsoft.com/office/powerpoint/2010/main" val="1945835387"/>
+      </p:ext>
+    </p:extLst>
+  </p:cSld>
+  <p:clrMapOvr>
+    <a:masterClrMapping/>
+  </p:clrMapOvr>
+</p:sld>
+</file>
+
+<file path=ppt/slides/slide23.xml><?xml version="1.0" encoding="utf-8"?>
+<p:sld xmlns:a="http://schemas.openxmlformats.org/drawingml/2006/main" xmlns:r="http://schemas.openxmlformats.org/officeDocument/2006/relationships" xmlns:p="http://schemas.openxmlformats.org/presentationml/2006/main">
+  <p:cSld>
+    <p:spTree>
+      <p:nvGrpSpPr>
+        <p:cNvPr id="1" name=""/>
+        <p:cNvGrpSpPr/>
+        <p:nvPr/>
+      </p:nvGrpSpPr>
+      <p:grpSpPr>
+        <a:xfrm>
+          <a:off x="0" y="0"/>
+          <a:ext cx="0" cy="0"/>
+          <a:chOff x="0" y="0"/>
+          <a:chExt cx="0" cy="0"/>
+        </a:xfrm>
+      </p:grpSpPr>
+      <p:sp>
+        <p:nvSpPr>
+          <p:cNvPr id="2" name="Título 1"/>
+          <p:cNvSpPr>
+            <a:spLocks noGrp="1"/>
+          </p:cNvSpPr>
+          <p:nvPr>
+            <p:ph type="title"/>
+          </p:nvPr>
+        </p:nvSpPr>
+        <p:spPr/>
+        <p:txBody>
+          <a:bodyPr/>
+          <a:lstStyle/>
+          <a:p>
+            <a:r>
+              <a:rPr lang="pt-BR" dirty="0" smtClean="0"/>
+              <a:t>Conclusão</a:t>
+            </a:r>
+            <a:endParaRPr lang="pt-BR" dirty="0"/>
+          </a:p>
+        </p:txBody>
+      </p:sp>
+      <p:sp>
+        <p:nvSpPr>
+          <p:cNvPr id="3" name="Espaço Reservado para Conteúdo 2"/>
+          <p:cNvSpPr>
+            <a:spLocks noGrp="1"/>
+          </p:cNvSpPr>
+          <p:nvPr>
+            <p:ph idx="1"/>
+          </p:nvPr>
+        </p:nvSpPr>
+        <p:spPr/>
+        <p:txBody>
+          <a:bodyPr>
+            <a:normAutofit/>
+          </a:bodyPr>
+          <a:lstStyle/>
+          <a:p>
+            <a:pPr marL="0" indent="0" algn="just">
+              <a:buNone/>
+            </a:pPr>
+            <a:r>
+              <a:rPr lang="pt-BR" dirty="0" smtClean="0"/>
+              <a:t>Ao trabalhar em um projeto proposto, com a utilização de todos os conceitos abordados ao decorrer do curso, colocamos a prova nosso aprendizado e expandimos ainda mais nosso conhecimento em áreas e tecnologias que foram necessárias para a conclusão deste trabalho e, por fim, demos nosso primeiro passo na nossa jornada de aprendizado durante a nossa carreira como técnicos em eletrônica.</a:t>
+            </a:r>
+            <a:endParaRPr lang="pt-BR" dirty="0"/>
+          </a:p>
+        </p:txBody>
+      </p:sp>
+    </p:spTree>
+    <p:extLst>
+      <p:ext uri="{BB962C8B-B14F-4D97-AF65-F5344CB8AC3E}">
+        <p14:creationId xmlns:p14="http://schemas.microsoft.com/office/powerpoint/2010/main" val="3471993557"/>
+      </p:ext>
+    </p:extLst>
+  </p:cSld>
+  <p:clrMapOvr>
+    <a:masterClrMapping/>
+  </p:clrMapOvr>
+  <p:timing>
+    <p:tnLst>
+      <p:par>
+        <p:cTn id="1" dur="indefinite" restart="never" nodeType="tmRoot"/>
+      </p:par>
+    </p:tnLst>
+  </p:timing>
 </p:sld>
 </file>
 
@@ -3443,6 +4782,13 @@
   <p:clrMapOvr>
     <a:masterClrMapping/>
   </p:clrMapOvr>
+  <p:timing>
+    <p:tnLst>
+      <p:par>
+        <p:cTn id="1" dur="indefinite" restart="never" nodeType="tmRoot"/>
+      </p:par>
+    </p:tnLst>
+  </p:timing>
 </p:sld>
 </file>
 
@@ -3531,6 +4877,13 @@
   <p:clrMapOvr>
     <a:masterClrMapping/>
   </p:clrMapOvr>
+  <p:timing>
+    <p:tnLst>
+      <p:par>
+        <p:cTn id="1" dur="indefinite" restart="never" nodeType="tmRoot"/>
+      </p:par>
+    </p:tnLst>
+  </p:timing>
 </p:sld>
 </file>
 
@@ -3630,6 +4983,13 @@
   <p:clrMapOvr>
     <a:masterClrMapping/>
   </p:clrMapOvr>
+  <p:timing>
+    <p:tnLst>
+      <p:par>
+        <p:cTn id="1" dur="indefinite" restart="never" nodeType="tmRoot"/>
+      </p:par>
+    </p:tnLst>
+  </p:timing>
 </p:sld>
 </file>
 
@@ -3733,6 +5093,13 @@
   <p:clrMapOvr>
     <a:masterClrMapping/>
   </p:clrMapOvr>
+  <p:timing>
+    <p:tnLst>
+      <p:par>
+        <p:cTn id="1" dur="indefinite" restart="never" nodeType="tmRoot"/>
+      </p:par>
+    </p:tnLst>
+  </p:timing>
 </p:sld>
 </file>
 
@@ -3791,7 +5158,17 @@
           <a:bodyPr/>
           <a:lstStyle/>
           <a:p>
-            <a:endParaRPr lang="pt-BR"/>
+            <a:r>
+              <a:rPr lang="pt-BR" dirty="0" smtClean="0"/>
+              <a:t>O dispositivo projetado possui um segmento mecânico na área do armazenamento e transporte da ração animal</a:t>
+            </a:r>
+          </a:p>
+          <a:p>
+            <a:r>
+              <a:rPr lang="pt-BR" dirty="0" smtClean="0"/>
+              <a:t>A estrutura projetada, tendo em vista a utilização de material PVC para os tubos e a rosca de transporte</a:t>
+            </a:r>
+            <a:endParaRPr lang="pt-BR" dirty="0"/>
           </a:p>
         </p:txBody>
       </p:sp>
@@ -3805,6 +5182,13 @@
   <p:clrMapOvr>
     <a:masterClrMapping/>
   </p:clrMapOvr>
+  <p:timing>
+    <p:tnLst>
+      <p:par>
+        <p:cTn id="1" dur="indefinite" restart="never" nodeType="tmRoot"/>
+      </p:par>
+    </p:tnLst>
+  </p:timing>
 </p:sld>
 </file>
 
@@ -3842,7 +5226,7 @@
           <a:p>
             <a:r>
               <a:rPr lang="pt-BR" dirty="0" smtClean="0"/>
-              <a:t>Projeto Elétrico</a:t>
+              <a:t>Reservatório</a:t>
             </a:r>
             <a:endParaRPr lang="pt-BR" dirty="0"/>
           </a:p>
@@ -3863,14 +5247,14 @@
           <a:bodyPr/>
           <a:lstStyle/>
           <a:p>
-            <a:endParaRPr lang="pt-BR"/>
+            <a:endParaRPr lang="pt-BR" dirty="0"/>
           </a:p>
         </p:txBody>
       </p:sp>
     </p:spTree>
     <p:extLst>
       <p:ext uri="{BB962C8B-B14F-4D97-AF65-F5344CB8AC3E}">
-        <p14:creationId xmlns:p14="http://schemas.microsoft.com/office/powerpoint/2010/main" val="4277119330"/>
+        <p14:creationId xmlns:p14="http://schemas.microsoft.com/office/powerpoint/2010/main" val="4048127392"/>
       </p:ext>
     </p:extLst>
   </p:cSld>
@@ -3914,7 +5298,7 @@
           <a:p>
             <a:r>
               <a:rPr lang="pt-BR" dirty="0" smtClean="0"/>
-              <a:t>Projeto Lógico</a:t>
+              <a:t>Transporte do Alimento</a:t>
             </a:r>
             <a:endParaRPr lang="pt-BR" dirty="0"/>
           </a:p>
@@ -3930,19 +5314,69 @@
             <p:ph idx="1"/>
           </p:nvPr>
         </p:nvSpPr>
-        <p:spPr/>
-        <p:txBody>
-          <a:bodyPr/>
-          <a:lstStyle/>
-          <a:p>
-            <a:endParaRPr lang="pt-BR"/>
-          </a:p>
-        </p:txBody>
-      </p:sp>
+        <p:spPr>
+          <a:xfrm>
+            <a:off x="457200" y="1600200"/>
+            <a:ext cx="6491064" cy="4525963"/>
+          </a:xfrm>
+        </p:spPr>
+        <p:txBody>
+          <a:bodyPr/>
+          <a:lstStyle/>
+          <a:p>
+            <a:r>
+              <a:rPr lang="pt-BR" dirty="0" smtClean="0"/>
+              <a:t>A rosca helicoidal transforma o movimento rotacional do motor de alimentação em um movimento linear</a:t>
+            </a:r>
+          </a:p>
+          <a:p>
+            <a:r>
+              <a:rPr lang="pt-BR" dirty="0" smtClean="0"/>
+              <a:t>Quando ativada, empurrará o conteúdo do reservatório em direção ao recipiente</a:t>
+            </a:r>
+            <a:endParaRPr lang="pt-BR" dirty="0"/>
+          </a:p>
+        </p:txBody>
+      </p:sp>
+      <p:pic>
+        <p:nvPicPr>
+          <p:cNvPr id="5" name="Picture 1178"/>
+          <p:cNvPicPr/>
+          <p:nvPr/>
+        </p:nvPicPr>
+        <p:blipFill rotWithShape="1">
+          <a:blip r:embed="rId2" cstate="print">
+            <a:extLst>
+              <a:ext uri="{28A0092B-C50C-407E-A947-70E740481C1C}">
+                <a14:useLocalDpi xmlns:a14="http://schemas.microsoft.com/office/drawing/2010/main" val="0"/>
+              </a:ext>
+            </a:extLst>
+          </a:blip>
+          <a:srcRect l="12541" t="16811" r="3445" b="68738"/>
+          <a:stretch/>
+        </p:blipFill>
+        <p:spPr bwMode="auto">
+          <a:xfrm rot="5400000">
+            <a:off x="5524529" y="3311966"/>
+            <a:ext cx="4525964" cy="1102431"/>
+          </a:xfrm>
+          <a:prstGeom prst="rect">
+            <a:avLst/>
+          </a:prstGeom>
+          <a:ln>
+            <a:noFill/>
+          </a:ln>
+          <a:extLst>
+            <a:ext uri="{53640926-AAD7-44D8-BBD7-CCE9431645EC}">
+              <a14:shadowObscured xmlns:a14="http://schemas.microsoft.com/office/drawing/2010/main"/>
+            </a:ext>
+          </a:extLst>
+        </p:spPr>
+      </p:pic>
     </p:spTree>
     <p:extLst>
       <p:ext uri="{BB962C8B-B14F-4D97-AF65-F5344CB8AC3E}">
-        <p14:creationId xmlns:p14="http://schemas.microsoft.com/office/powerpoint/2010/main" val="2075262813"/>
+        <p14:creationId xmlns:p14="http://schemas.microsoft.com/office/powerpoint/2010/main" val="1590390626"/>
       </p:ext>
     </p:extLst>
   </p:cSld>
